--- a/docs/DLP_Architecture.pptx
+++ b/docs/DLP_Architecture.pptx
@@ -6,6 +6,7 @@
   </p:sldMasterIdLst>
   <p:sldIdLst>
     <p:sldId id="256" r:id="rId2"/>
+    <p:sldId id="257" r:id="rId3"/>
   </p:sldIdLst>
   <p:sldSz cx="9144000" cy="6858000" type="screen4x3"/>
   <p:notesSz cx="6858000" cy="9144000"/>
@@ -288,7 +289,7 @@
           <a:p>
             <a:fld id="{2EB758F8-C0B6-EE43-A8F7-1E0F400EDB88}" type="datetimeFigureOut">
               <a:rPr lang="en-US" smtClean="0"/>
-              <a:t>9/19/15</a:t>
+              <a:t>9/26/15</a:t>
             </a:fld>
             <a:endParaRPr lang="en-US"/>
           </a:p>
@@ -458,7 +459,7 @@
           <a:p>
             <a:fld id="{2EB758F8-C0B6-EE43-A8F7-1E0F400EDB88}" type="datetimeFigureOut">
               <a:rPr lang="en-US" smtClean="0"/>
-              <a:t>9/19/15</a:t>
+              <a:t>9/26/15</a:t>
             </a:fld>
             <a:endParaRPr lang="en-US"/>
           </a:p>
@@ -638,7 +639,7 @@
           <a:p>
             <a:fld id="{2EB758F8-C0B6-EE43-A8F7-1E0F400EDB88}" type="datetimeFigureOut">
               <a:rPr lang="en-US" smtClean="0"/>
-              <a:t>9/19/15</a:t>
+              <a:t>9/26/15</a:t>
             </a:fld>
             <a:endParaRPr lang="en-US"/>
           </a:p>
@@ -808,7 +809,7 @@
           <a:p>
             <a:fld id="{2EB758F8-C0B6-EE43-A8F7-1E0F400EDB88}" type="datetimeFigureOut">
               <a:rPr lang="en-US" smtClean="0"/>
-              <a:t>9/19/15</a:t>
+              <a:t>9/26/15</a:t>
             </a:fld>
             <a:endParaRPr lang="en-US"/>
           </a:p>
@@ -1054,7 +1055,7 @@
           <a:p>
             <a:fld id="{2EB758F8-C0B6-EE43-A8F7-1E0F400EDB88}" type="datetimeFigureOut">
               <a:rPr lang="en-US" smtClean="0"/>
-              <a:t>9/19/15</a:t>
+              <a:t>9/26/15</a:t>
             </a:fld>
             <a:endParaRPr lang="en-US"/>
           </a:p>
@@ -1342,7 +1343,7 @@
           <a:p>
             <a:fld id="{2EB758F8-C0B6-EE43-A8F7-1E0F400EDB88}" type="datetimeFigureOut">
               <a:rPr lang="en-US" smtClean="0"/>
-              <a:t>9/19/15</a:t>
+              <a:t>9/26/15</a:t>
             </a:fld>
             <a:endParaRPr lang="en-US"/>
           </a:p>
@@ -1764,7 +1765,7 @@
           <a:p>
             <a:fld id="{2EB758F8-C0B6-EE43-A8F7-1E0F400EDB88}" type="datetimeFigureOut">
               <a:rPr lang="en-US" smtClean="0"/>
-              <a:t>9/19/15</a:t>
+              <a:t>9/26/15</a:t>
             </a:fld>
             <a:endParaRPr lang="en-US"/>
           </a:p>
@@ -1882,7 +1883,7 @@
           <a:p>
             <a:fld id="{2EB758F8-C0B6-EE43-A8F7-1E0F400EDB88}" type="datetimeFigureOut">
               <a:rPr lang="en-US" smtClean="0"/>
-              <a:t>9/19/15</a:t>
+              <a:t>9/26/15</a:t>
             </a:fld>
             <a:endParaRPr lang="en-US"/>
           </a:p>
@@ -1977,7 +1978,7 @@
           <a:p>
             <a:fld id="{2EB758F8-C0B6-EE43-A8F7-1E0F400EDB88}" type="datetimeFigureOut">
               <a:rPr lang="en-US" smtClean="0"/>
-              <a:t>9/19/15</a:t>
+              <a:t>9/26/15</a:t>
             </a:fld>
             <a:endParaRPr lang="en-US"/>
           </a:p>
@@ -2254,7 +2255,7 @@
           <a:p>
             <a:fld id="{2EB758F8-C0B6-EE43-A8F7-1E0F400EDB88}" type="datetimeFigureOut">
               <a:rPr lang="en-US" smtClean="0"/>
-              <a:t>9/19/15</a:t>
+              <a:t>9/26/15</a:t>
             </a:fld>
             <a:endParaRPr lang="en-US"/>
           </a:p>
@@ -2507,7 +2508,7 @@
           <a:p>
             <a:fld id="{2EB758F8-C0B6-EE43-A8F7-1E0F400EDB88}" type="datetimeFigureOut">
               <a:rPr lang="en-US" smtClean="0"/>
-              <a:t>9/19/15</a:t>
+              <a:t>9/26/15</a:t>
             </a:fld>
             <a:endParaRPr lang="en-US"/>
           </a:p>
@@ -2720,7 +2721,7 @@
           <a:p>
             <a:fld id="{2EB758F8-C0B6-EE43-A8F7-1E0F400EDB88}" type="datetimeFigureOut">
               <a:rPr lang="en-US" smtClean="0"/>
-              <a:t>9/19/15</a:t>
+              <a:t>9/26/15</a:t>
             </a:fld>
             <a:endParaRPr lang="en-US"/>
           </a:p>
@@ -4377,6 +4378,1499 @@
     <p:extLst>
       <p:ext uri="{BB962C8B-B14F-4D97-AF65-F5344CB8AC3E}">
         <p14:creationId xmlns:p14="http://schemas.microsoft.com/office/powerpoint/2010/main" val="2827902591"/>
+      </p:ext>
+    </p:extLst>
+  </p:cSld>
+  <p:clrMapOvr>
+    <a:masterClrMapping/>
+  </p:clrMapOvr>
+</p:sld>
+</file>
+
+<file path=ppt/slides/slide2.xml><?xml version="1.0" encoding="utf-8"?>
+<p:sld xmlns:a="http://schemas.openxmlformats.org/drawingml/2006/main" xmlns:r="http://schemas.openxmlformats.org/officeDocument/2006/relationships" xmlns:p="http://schemas.openxmlformats.org/presentationml/2006/main">
+  <p:cSld>
+    <p:spTree>
+      <p:nvGrpSpPr>
+        <p:cNvPr id="1" name=""/>
+        <p:cNvGrpSpPr/>
+        <p:nvPr/>
+      </p:nvGrpSpPr>
+      <p:grpSpPr>
+        <a:xfrm>
+          <a:off x="0" y="0"/>
+          <a:ext cx="0" cy="0"/>
+          <a:chOff x="0" y="0"/>
+          <a:chExt cx="0" cy="0"/>
+        </a:xfrm>
+      </p:grpSpPr>
+      <p:sp>
+        <p:nvSpPr>
+          <p:cNvPr id="6" name="Rounded Rectangle 5"/>
+          <p:cNvSpPr/>
+          <p:nvPr/>
+        </p:nvSpPr>
+        <p:spPr>
+          <a:xfrm>
+            <a:off x="158746" y="3502718"/>
+            <a:ext cx="8853648" cy="1517937"/>
+          </a:xfrm>
+          <a:prstGeom prst="roundRect">
+            <a:avLst/>
+          </a:prstGeom>
+        </p:spPr>
+        <p:style>
+          <a:lnRef idx="1">
+            <a:schemeClr val="accent1"/>
+          </a:lnRef>
+          <a:fillRef idx="3">
+            <a:schemeClr val="accent1"/>
+          </a:fillRef>
+          <a:effectRef idx="2">
+            <a:schemeClr val="accent1"/>
+          </a:effectRef>
+          <a:fontRef idx="minor">
+            <a:schemeClr val="lt1"/>
+          </a:fontRef>
+        </p:style>
+        <p:txBody>
+          <a:bodyPr rtlCol="0" anchor="ctr"/>
+          <a:lstStyle/>
+          <a:p>
+            <a:pPr algn="ctr"/>
+            <a:endParaRPr lang="en-US"/>
+          </a:p>
+        </p:txBody>
+      </p:sp>
+      <p:sp>
+        <p:nvSpPr>
+          <p:cNvPr id="59" name="Rectangle 58"/>
+          <p:cNvSpPr/>
+          <p:nvPr/>
+        </p:nvSpPr>
+        <p:spPr>
+          <a:xfrm>
+            <a:off x="3790948" y="4345466"/>
+            <a:ext cx="4602731" cy="625862"/>
+          </a:xfrm>
+          <a:prstGeom prst="rect">
+            <a:avLst/>
+          </a:prstGeom>
+        </p:spPr>
+        <p:style>
+          <a:lnRef idx="2">
+            <a:schemeClr val="dk1"/>
+          </a:lnRef>
+          <a:fillRef idx="1">
+            <a:schemeClr val="lt1"/>
+          </a:fillRef>
+          <a:effectRef idx="0">
+            <a:schemeClr val="dk1"/>
+          </a:effectRef>
+          <a:fontRef idx="minor">
+            <a:schemeClr val="dk1"/>
+          </a:fontRef>
+        </p:style>
+        <p:txBody>
+          <a:bodyPr rtlCol="0" anchor="ctr"/>
+          <a:lstStyle/>
+          <a:p>
+            <a:pPr algn="ctr"/>
+            <a:endParaRPr lang="en-US"/>
+          </a:p>
+        </p:txBody>
+      </p:sp>
+      <p:sp>
+        <p:nvSpPr>
+          <p:cNvPr id="4" name="Rounded Rectangle 3"/>
+          <p:cNvSpPr/>
+          <p:nvPr/>
+        </p:nvSpPr>
+        <p:spPr>
+          <a:xfrm>
+            <a:off x="158746" y="267870"/>
+            <a:ext cx="8853648" cy="1517937"/>
+          </a:xfrm>
+          <a:prstGeom prst="roundRect">
+            <a:avLst/>
+          </a:prstGeom>
+        </p:spPr>
+        <p:style>
+          <a:lnRef idx="1">
+            <a:schemeClr val="accent1"/>
+          </a:lnRef>
+          <a:fillRef idx="3">
+            <a:schemeClr val="accent1"/>
+          </a:fillRef>
+          <a:effectRef idx="2">
+            <a:schemeClr val="accent1"/>
+          </a:effectRef>
+          <a:fontRef idx="minor">
+            <a:schemeClr val="lt1"/>
+          </a:fontRef>
+        </p:style>
+        <p:txBody>
+          <a:bodyPr rtlCol="0" anchor="ctr"/>
+          <a:lstStyle/>
+          <a:p>
+            <a:pPr algn="ctr"/>
+            <a:endParaRPr lang="en-US"/>
+          </a:p>
+        </p:txBody>
+      </p:sp>
+      <p:sp>
+        <p:nvSpPr>
+          <p:cNvPr id="5" name="Rounded Rectangle 4"/>
+          <p:cNvSpPr/>
+          <p:nvPr/>
+        </p:nvSpPr>
+        <p:spPr>
+          <a:xfrm>
+            <a:off x="158746" y="1885294"/>
+            <a:ext cx="8853648" cy="1517937"/>
+          </a:xfrm>
+          <a:prstGeom prst="roundRect">
+            <a:avLst/>
+          </a:prstGeom>
+        </p:spPr>
+        <p:style>
+          <a:lnRef idx="1">
+            <a:schemeClr val="accent1"/>
+          </a:lnRef>
+          <a:fillRef idx="3">
+            <a:schemeClr val="accent1"/>
+          </a:fillRef>
+          <a:effectRef idx="2">
+            <a:schemeClr val="accent1"/>
+          </a:effectRef>
+          <a:fontRef idx="minor">
+            <a:schemeClr val="lt1"/>
+          </a:fontRef>
+        </p:style>
+        <p:txBody>
+          <a:bodyPr rtlCol="0" anchor="ctr"/>
+          <a:lstStyle/>
+          <a:p>
+            <a:pPr algn="ctr"/>
+            <a:endParaRPr lang="en-US"/>
+          </a:p>
+        </p:txBody>
+      </p:sp>
+      <p:sp>
+        <p:nvSpPr>
+          <p:cNvPr id="7" name="Rounded Rectangle 6"/>
+          <p:cNvSpPr/>
+          <p:nvPr/>
+        </p:nvSpPr>
+        <p:spPr>
+          <a:xfrm>
+            <a:off x="158746" y="5120143"/>
+            <a:ext cx="8853648" cy="1517937"/>
+          </a:xfrm>
+          <a:prstGeom prst="roundRect">
+            <a:avLst/>
+          </a:prstGeom>
+        </p:spPr>
+        <p:style>
+          <a:lnRef idx="1">
+            <a:schemeClr val="accent1"/>
+          </a:lnRef>
+          <a:fillRef idx="3">
+            <a:schemeClr val="accent1"/>
+          </a:fillRef>
+          <a:effectRef idx="2">
+            <a:schemeClr val="accent1"/>
+          </a:effectRef>
+          <a:fontRef idx="minor">
+            <a:schemeClr val="lt1"/>
+          </a:fontRef>
+        </p:style>
+        <p:txBody>
+          <a:bodyPr rtlCol="0" anchor="ctr"/>
+          <a:lstStyle/>
+          <a:p>
+            <a:pPr algn="ctr"/>
+            <a:endParaRPr lang="en-US"/>
+          </a:p>
+        </p:txBody>
+      </p:sp>
+      <p:sp>
+        <p:nvSpPr>
+          <p:cNvPr id="9" name="TextBox 8"/>
+          <p:cNvSpPr txBox="1"/>
+          <p:nvPr/>
+        </p:nvSpPr>
+        <p:spPr>
+          <a:xfrm rot="16200000">
+            <a:off x="-415557" y="842172"/>
+            <a:ext cx="1517937" cy="369332"/>
+          </a:xfrm>
+          <a:prstGeom prst="rect">
+            <a:avLst/>
+          </a:prstGeom>
+          <a:noFill/>
+        </p:spPr>
+        <p:txBody>
+          <a:bodyPr wrap="square" rtlCol="0">
+            <a:spAutoFit/>
+          </a:bodyPr>
+          <a:lstStyle/>
+          <a:p>
+            <a:pPr algn="ctr"/>
+            <a:r>
+              <a:rPr lang="en-US" dirty="0"/>
+              <a:t>V</a:t>
+            </a:r>
+            <a:r>
+              <a:rPr lang="en-US" dirty="0" smtClean="0"/>
+              <a:t>iews</a:t>
+            </a:r>
+            <a:endParaRPr lang="en-US" dirty="0"/>
+          </a:p>
+        </p:txBody>
+      </p:sp>
+      <p:sp>
+        <p:nvSpPr>
+          <p:cNvPr id="11" name="TextBox 10"/>
+          <p:cNvSpPr txBox="1"/>
+          <p:nvPr/>
+        </p:nvSpPr>
+        <p:spPr>
+          <a:xfrm rot="16200000">
+            <a:off x="-415556" y="2459596"/>
+            <a:ext cx="1517937" cy="369332"/>
+          </a:xfrm>
+          <a:prstGeom prst="rect">
+            <a:avLst/>
+          </a:prstGeom>
+          <a:noFill/>
+        </p:spPr>
+        <p:txBody>
+          <a:bodyPr wrap="square" rtlCol="0">
+            <a:spAutoFit/>
+          </a:bodyPr>
+          <a:lstStyle/>
+          <a:p>
+            <a:pPr algn="ctr"/>
+            <a:r>
+              <a:rPr lang="en-US" dirty="0" smtClean="0"/>
+              <a:t>Model</a:t>
+            </a:r>
+            <a:endParaRPr lang="en-US" dirty="0"/>
+          </a:p>
+        </p:txBody>
+      </p:sp>
+      <p:sp>
+        <p:nvSpPr>
+          <p:cNvPr id="12" name="TextBox 11"/>
+          <p:cNvSpPr txBox="1"/>
+          <p:nvPr/>
+        </p:nvSpPr>
+        <p:spPr>
+          <a:xfrm rot="16200000">
+            <a:off x="-415556" y="4080878"/>
+            <a:ext cx="1517937" cy="369332"/>
+          </a:xfrm>
+          <a:prstGeom prst="rect">
+            <a:avLst/>
+          </a:prstGeom>
+          <a:noFill/>
+        </p:spPr>
+        <p:txBody>
+          <a:bodyPr wrap="square" rtlCol="0">
+            <a:spAutoFit/>
+          </a:bodyPr>
+          <a:lstStyle/>
+          <a:p>
+            <a:pPr algn="ctr"/>
+            <a:r>
+              <a:rPr lang="en-US" dirty="0" smtClean="0"/>
+              <a:t>Controller</a:t>
+            </a:r>
+            <a:endParaRPr lang="en-US" dirty="0"/>
+          </a:p>
+        </p:txBody>
+      </p:sp>
+      <p:sp>
+        <p:nvSpPr>
+          <p:cNvPr id="13" name="TextBox 12"/>
+          <p:cNvSpPr txBox="1"/>
+          <p:nvPr/>
+        </p:nvSpPr>
+        <p:spPr>
+          <a:xfrm rot="16200000">
+            <a:off x="-402059" y="5694446"/>
+            <a:ext cx="1517937" cy="369332"/>
+          </a:xfrm>
+          <a:prstGeom prst="rect">
+            <a:avLst/>
+          </a:prstGeom>
+          <a:noFill/>
+        </p:spPr>
+        <p:txBody>
+          <a:bodyPr wrap="square" rtlCol="0">
+            <a:spAutoFit/>
+          </a:bodyPr>
+          <a:lstStyle/>
+          <a:p>
+            <a:pPr algn="ctr"/>
+            <a:r>
+              <a:rPr lang="en-US" dirty="0" smtClean="0"/>
+              <a:t>Physical</a:t>
+            </a:r>
+            <a:endParaRPr lang="en-US" dirty="0"/>
+          </a:p>
+        </p:txBody>
+      </p:sp>
+      <p:sp>
+        <p:nvSpPr>
+          <p:cNvPr id="14" name="Rectangle 13"/>
+          <p:cNvSpPr/>
+          <p:nvPr/>
+        </p:nvSpPr>
+        <p:spPr>
+          <a:xfrm>
+            <a:off x="883023" y="505979"/>
+            <a:ext cx="1279887" cy="972273"/>
+          </a:xfrm>
+          <a:prstGeom prst="rect">
+            <a:avLst/>
+          </a:prstGeom>
+        </p:spPr>
+        <p:style>
+          <a:lnRef idx="2">
+            <a:schemeClr val="dk1"/>
+          </a:lnRef>
+          <a:fillRef idx="1">
+            <a:schemeClr val="lt1"/>
+          </a:fillRef>
+          <a:effectRef idx="0">
+            <a:schemeClr val="dk1"/>
+          </a:effectRef>
+          <a:fontRef idx="minor">
+            <a:schemeClr val="dk1"/>
+          </a:fontRef>
+        </p:style>
+        <p:txBody>
+          <a:bodyPr rtlCol="0" anchor="ctr"/>
+          <a:lstStyle/>
+          <a:p>
+            <a:pPr algn="ctr"/>
+            <a:r>
+              <a:rPr lang="en-US" dirty="0" smtClean="0"/>
+              <a:t>Print Manager</a:t>
+            </a:r>
+            <a:endParaRPr lang="en-US" dirty="0"/>
+          </a:p>
+        </p:txBody>
+      </p:sp>
+      <p:sp>
+        <p:nvSpPr>
+          <p:cNvPr id="15" name="Rectangle 14"/>
+          <p:cNvSpPr/>
+          <p:nvPr/>
+        </p:nvSpPr>
+        <p:spPr>
+          <a:xfrm>
+            <a:off x="2501139" y="505979"/>
+            <a:ext cx="1279887" cy="972273"/>
+          </a:xfrm>
+          <a:prstGeom prst="rect">
+            <a:avLst/>
+          </a:prstGeom>
+        </p:spPr>
+        <p:style>
+          <a:lnRef idx="2">
+            <a:schemeClr val="dk1"/>
+          </a:lnRef>
+          <a:fillRef idx="1">
+            <a:schemeClr val="lt1"/>
+          </a:fillRef>
+          <a:effectRef idx="0">
+            <a:schemeClr val="dk1"/>
+          </a:effectRef>
+          <a:fontRef idx="minor">
+            <a:schemeClr val="dk1"/>
+          </a:fontRef>
+        </p:style>
+        <p:txBody>
+          <a:bodyPr rtlCol="0" anchor="ctr"/>
+          <a:lstStyle/>
+          <a:p>
+            <a:pPr algn="ctr"/>
+            <a:r>
+              <a:rPr lang="en-US" dirty="0" smtClean="0"/>
+              <a:t>Create Job</a:t>
+            </a:r>
+            <a:endParaRPr lang="en-US" dirty="0"/>
+          </a:p>
+        </p:txBody>
+      </p:sp>
+      <p:sp>
+        <p:nvSpPr>
+          <p:cNvPr id="16" name="Rectangle 15"/>
+          <p:cNvSpPr/>
+          <p:nvPr/>
+        </p:nvSpPr>
+        <p:spPr>
+          <a:xfrm>
+            <a:off x="4119255" y="505979"/>
+            <a:ext cx="1279887" cy="972273"/>
+          </a:xfrm>
+          <a:prstGeom prst="rect">
+            <a:avLst/>
+          </a:prstGeom>
+        </p:spPr>
+        <p:style>
+          <a:lnRef idx="2">
+            <a:schemeClr val="dk1"/>
+          </a:lnRef>
+          <a:fillRef idx="1">
+            <a:schemeClr val="lt1"/>
+          </a:fillRef>
+          <a:effectRef idx="0">
+            <a:schemeClr val="dk1"/>
+          </a:effectRef>
+          <a:fontRef idx="minor">
+            <a:schemeClr val="dk1"/>
+          </a:fontRef>
+        </p:style>
+        <p:txBody>
+          <a:bodyPr rtlCol="0" anchor="ctr"/>
+          <a:lstStyle/>
+          <a:p>
+            <a:pPr algn="ctr"/>
+            <a:r>
+              <a:rPr lang="en-US" dirty="0" smtClean="0"/>
+              <a:t>File Upload</a:t>
+            </a:r>
+            <a:endParaRPr lang="en-US" dirty="0"/>
+          </a:p>
+        </p:txBody>
+      </p:sp>
+      <p:sp>
+        <p:nvSpPr>
+          <p:cNvPr id="17" name="Rectangle 16"/>
+          <p:cNvSpPr/>
+          <p:nvPr/>
+        </p:nvSpPr>
+        <p:spPr>
+          <a:xfrm>
+            <a:off x="5737371" y="505979"/>
+            <a:ext cx="1279887" cy="972273"/>
+          </a:xfrm>
+          <a:prstGeom prst="rect">
+            <a:avLst/>
+          </a:prstGeom>
+        </p:spPr>
+        <p:style>
+          <a:lnRef idx="2">
+            <a:schemeClr val="dk1"/>
+          </a:lnRef>
+          <a:fillRef idx="1">
+            <a:schemeClr val="lt1"/>
+          </a:fillRef>
+          <a:effectRef idx="0">
+            <a:schemeClr val="dk1"/>
+          </a:effectRef>
+          <a:fontRef idx="minor">
+            <a:schemeClr val="dk1"/>
+          </a:fontRef>
+        </p:style>
+        <p:txBody>
+          <a:bodyPr rtlCol="0" anchor="ctr"/>
+          <a:lstStyle/>
+          <a:p>
+            <a:pPr algn="ctr"/>
+            <a:r>
+              <a:rPr lang="en-US" dirty="0" smtClean="0"/>
+              <a:t>Materials</a:t>
+            </a:r>
+            <a:endParaRPr lang="en-US" dirty="0"/>
+          </a:p>
+        </p:txBody>
+      </p:sp>
+      <p:sp>
+        <p:nvSpPr>
+          <p:cNvPr id="18" name="Rectangle 17"/>
+          <p:cNvSpPr/>
+          <p:nvPr/>
+        </p:nvSpPr>
+        <p:spPr>
+          <a:xfrm>
+            <a:off x="7355486" y="505979"/>
+            <a:ext cx="1279887" cy="972273"/>
+          </a:xfrm>
+          <a:prstGeom prst="rect">
+            <a:avLst/>
+          </a:prstGeom>
+        </p:spPr>
+        <p:style>
+          <a:lnRef idx="2">
+            <a:schemeClr val="dk1"/>
+          </a:lnRef>
+          <a:fillRef idx="1">
+            <a:schemeClr val="lt1"/>
+          </a:fillRef>
+          <a:effectRef idx="0">
+            <a:schemeClr val="dk1"/>
+          </a:effectRef>
+          <a:fontRef idx="minor">
+            <a:schemeClr val="dk1"/>
+          </a:fontRef>
+        </p:style>
+        <p:txBody>
+          <a:bodyPr rtlCol="0" anchor="ctr"/>
+          <a:lstStyle/>
+          <a:p>
+            <a:pPr algn="ctr"/>
+            <a:r>
+              <a:rPr lang="en-US" dirty="0" smtClean="0"/>
+              <a:t>Printer Settings</a:t>
+            </a:r>
+            <a:endParaRPr lang="en-US" dirty="0"/>
+          </a:p>
+        </p:txBody>
+      </p:sp>
+      <p:sp>
+        <p:nvSpPr>
+          <p:cNvPr id="19" name="Magnetic Disk 18"/>
+          <p:cNvSpPr/>
+          <p:nvPr/>
+        </p:nvSpPr>
+        <p:spPr>
+          <a:xfrm>
+            <a:off x="4266292" y="2162812"/>
+            <a:ext cx="1002082" cy="1041722"/>
+          </a:xfrm>
+          <a:prstGeom prst="flowChartMagneticDisk">
+            <a:avLst/>
+          </a:prstGeom>
+        </p:spPr>
+        <p:style>
+          <a:lnRef idx="1">
+            <a:schemeClr val="dk1"/>
+          </a:lnRef>
+          <a:fillRef idx="2">
+            <a:schemeClr val="dk1"/>
+          </a:fillRef>
+          <a:effectRef idx="1">
+            <a:schemeClr val="dk1"/>
+          </a:effectRef>
+          <a:fontRef idx="minor">
+            <a:schemeClr val="dk1"/>
+          </a:fontRef>
+        </p:style>
+        <p:txBody>
+          <a:bodyPr rtlCol="0" anchor="ctr"/>
+          <a:lstStyle/>
+          <a:p>
+            <a:pPr algn="ctr"/>
+            <a:r>
+              <a:rPr lang="en-US" dirty="0" err="1" smtClean="0"/>
+              <a:t>Img</a:t>
+            </a:r>
+            <a:r>
+              <a:rPr lang="en-US" dirty="0" smtClean="0"/>
+              <a:t> Files</a:t>
+            </a:r>
+            <a:endParaRPr lang="en-US" dirty="0"/>
+          </a:p>
+        </p:txBody>
+      </p:sp>
+      <p:sp>
+        <p:nvSpPr>
+          <p:cNvPr id="20" name="Magnetic Disk 19"/>
+          <p:cNvSpPr/>
+          <p:nvPr/>
+        </p:nvSpPr>
+        <p:spPr>
+          <a:xfrm>
+            <a:off x="5877168" y="2162812"/>
+            <a:ext cx="1002082" cy="1041722"/>
+          </a:xfrm>
+          <a:prstGeom prst="flowChartMagneticDisk">
+            <a:avLst/>
+          </a:prstGeom>
+        </p:spPr>
+        <p:style>
+          <a:lnRef idx="1">
+            <a:schemeClr val="dk1"/>
+          </a:lnRef>
+          <a:fillRef idx="2">
+            <a:schemeClr val="dk1"/>
+          </a:fillRef>
+          <a:effectRef idx="1">
+            <a:schemeClr val="dk1"/>
+          </a:effectRef>
+          <a:fontRef idx="minor">
+            <a:schemeClr val="dk1"/>
+          </a:fontRef>
+        </p:style>
+        <p:txBody>
+          <a:bodyPr rtlCol="0" anchor="ctr"/>
+          <a:lstStyle/>
+          <a:p>
+            <a:pPr algn="ctr"/>
+            <a:r>
+              <a:rPr lang="en-US" dirty="0" err="1" smtClean="0"/>
+              <a:t>Meterial</a:t>
+            </a:r>
+            <a:r>
+              <a:rPr lang="en-US" dirty="0" smtClean="0"/>
+              <a:t> </a:t>
+            </a:r>
+            <a:r>
+              <a:rPr lang="en-US" dirty="0" err="1" smtClean="0"/>
+              <a:t>Jsons</a:t>
+            </a:r>
+            <a:endParaRPr lang="en-US" dirty="0"/>
+          </a:p>
+        </p:txBody>
+      </p:sp>
+      <p:sp>
+        <p:nvSpPr>
+          <p:cNvPr id="21" name="Magnetic Disk 20"/>
+          <p:cNvSpPr/>
+          <p:nvPr/>
+        </p:nvSpPr>
+        <p:spPr>
+          <a:xfrm>
+            <a:off x="7494392" y="2162812"/>
+            <a:ext cx="1002082" cy="1041722"/>
+          </a:xfrm>
+          <a:prstGeom prst="flowChartMagneticDisk">
+            <a:avLst/>
+          </a:prstGeom>
+        </p:spPr>
+        <p:style>
+          <a:lnRef idx="1">
+            <a:schemeClr val="dk1"/>
+          </a:lnRef>
+          <a:fillRef idx="2">
+            <a:schemeClr val="dk1"/>
+          </a:fillRef>
+          <a:effectRef idx="1">
+            <a:schemeClr val="dk1"/>
+          </a:effectRef>
+          <a:fontRef idx="minor">
+            <a:schemeClr val="dk1"/>
+          </a:fontRef>
+        </p:style>
+        <p:txBody>
+          <a:bodyPr rtlCol="0" anchor="ctr"/>
+          <a:lstStyle/>
+          <a:p>
+            <a:pPr algn="ctr"/>
+            <a:r>
+              <a:rPr lang="en-US" dirty="0" smtClean="0"/>
+              <a:t>Settings </a:t>
+            </a:r>
+            <a:r>
+              <a:rPr lang="en-US" dirty="0" err="1" smtClean="0"/>
+              <a:t>Json</a:t>
+            </a:r>
+            <a:endParaRPr lang="en-US" dirty="0"/>
+          </a:p>
+        </p:txBody>
+      </p:sp>
+      <p:sp>
+        <p:nvSpPr>
+          <p:cNvPr id="22" name="Magnetic Disk 21"/>
+          <p:cNvSpPr/>
+          <p:nvPr/>
+        </p:nvSpPr>
+        <p:spPr>
+          <a:xfrm>
+            <a:off x="1303294" y="2162812"/>
+            <a:ext cx="1435058" cy="1041722"/>
+          </a:xfrm>
+          <a:prstGeom prst="flowChartMagneticDisk">
+            <a:avLst/>
+          </a:prstGeom>
+        </p:spPr>
+        <p:style>
+          <a:lnRef idx="1">
+            <a:schemeClr val="dk1"/>
+          </a:lnRef>
+          <a:fillRef idx="2">
+            <a:schemeClr val="dk1"/>
+          </a:fillRef>
+          <a:effectRef idx="1">
+            <a:schemeClr val="dk1"/>
+          </a:effectRef>
+          <a:fontRef idx="minor">
+            <a:schemeClr val="dk1"/>
+          </a:fontRef>
+        </p:style>
+        <p:txBody>
+          <a:bodyPr rtlCol="0" anchor="ctr"/>
+          <a:lstStyle/>
+          <a:p>
+            <a:pPr algn="ctr"/>
+            <a:r>
+              <a:rPr lang="en-US" dirty="0" err="1" smtClean="0"/>
+              <a:t>printDataDir</a:t>
+            </a:r>
+            <a:endParaRPr lang="en-US" dirty="0"/>
+          </a:p>
+        </p:txBody>
+      </p:sp>
+      <p:sp>
+        <p:nvSpPr>
+          <p:cNvPr id="23" name="Rectangle 22"/>
+          <p:cNvSpPr/>
+          <p:nvPr/>
+        </p:nvSpPr>
+        <p:spPr>
+          <a:xfrm>
+            <a:off x="3422954" y="3680749"/>
+            <a:ext cx="4752449" cy="476216"/>
+          </a:xfrm>
+          <a:prstGeom prst="rect">
+            <a:avLst/>
+          </a:prstGeom>
+        </p:spPr>
+        <p:style>
+          <a:lnRef idx="2">
+            <a:schemeClr val="accent6"/>
+          </a:lnRef>
+          <a:fillRef idx="1">
+            <a:schemeClr val="lt1"/>
+          </a:fillRef>
+          <a:effectRef idx="0">
+            <a:schemeClr val="accent6"/>
+          </a:effectRef>
+          <a:fontRef idx="minor">
+            <a:schemeClr val="dk1"/>
+          </a:fontRef>
+        </p:style>
+        <p:txBody>
+          <a:bodyPr rtlCol="0" anchor="ctr"/>
+          <a:lstStyle/>
+          <a:p>
+            <a:pPr algn="ctr"/>
+            <a:r>
+              <a:rPr lang="en-US" dirty="0" smtClean="0"/>
+              <a:t>Job Creator</a:t>
+            </a:r>
+            <a:endParaRPr lang="en-US" dirty="0"/>
+          </a:p>
+        </p:txBody>
+      </p:sp>
+      <p:sp>
+        <p:nvSpPr>
+          <p:cNvPr id="24" name="Rectangle 23"/>
+          <p:cNvSpPr/>
+          <p:nvPr/>
+        </p:nvSpPr>
+        <p:spPr>
+          <a:xfrm>
+            <a:off x="883023" y="4057754"/>
+            <a:ext cx="2143067" cy="476216"/>
+          </a:xfrm>
+          <a:prstGeom prst="rect">
+            <a:avLst/>
+          </a:prstGeom>
+        </p:spPr>
+        <p:style>
+          <a:lnRef idx="2">
+            <a:schemeClr val="accent6"/>
+          </a:lnRef>
+          <a:fillRef idx="1">
+            <a:schemeClr val="lt1"/>
+          </a:fillRef>
+          <a:effectRef idx="0">
+            <a:schemeClr val="accent6"/>
+          </a:effectRef>
+          <a:fontRef idx="minor">
+            <a:schemeClr val="dk1"/>
+          </a:fontRef>
+        </p:style>
+        <p:txBody>
+          <a:bodyPr rtlCol="0" anchor="ctr"/>
+          <a:lstStyle/>
+          <a:p>
+            <a:pPr algn="ctr"/>
+            <a:r>
+              <a:rPr lang="en-US" dirty="0" err="1" smtClean="0"/>
+              <a:t>Looper</a:t>
+            </a:r>
+            <a:endParaRPr lang="en-US" dirty="0"/>
+          </a:p>
+        </p:txBody>
+      </p:sp>
+      <p:sp>
+        <p:nvSpPr>
+          <p:cNvPr id="25" name="Rectangle 24"/>
+          <p:cNvSpPr/>
+          <p:nvPr/>
+        </p:nvSpPr>
+        <p:spPr>
+          <a:xfrm>
+            <a:off x="5459119" y="4425665"/>
+            <a:ext cx="1252848" cy="476216"/>
+          </a:xfrm>
+          <a:prstGeom prst="rect">
+            <a:avLst/>
+          </a:prstGeom>
+        </p:spPr>
+        <p:style>
+          <a:lnRef idx="2">
+            <a:schemeClr val="accent6"/>
+          </a:lnRef>
+          <a:fillRef idx="1">
+            <a:schemeClr val="lt1"/>
+          </a:fillRef>
+          <a:effectRef idx="0">
+            <a:schemeClr val="accent6"/>
+          </a:effectRef>
+          <a:fontRef idx="minor">
+            <a:schemeClr val="dk1"/>
+          </a:fontRef>
+        </p:style>
+        <p:txBody>
+          <a:bodyPr rtlCol="0" anchor="ctr"/>
+          <a:lstStyle/>
+          <a:p>
+            <a:pPr algn="ctr"/>
+            <a:r>
+              <a:rPr lang="en-US" dirty="0" err="1" smtClean="0"/>
+              <a:t>Lcd</a:t>
+            </a:r>
+            <a:r>
+              <a:rPr lang="en-US" dirty="0" smtClean="0"/>
+              <a:t> Driver</a:t>
+            </a:r>
+            <a:endParaRPr lang="en-US" dirty="0"/>
+          </a:p>
+        </p:txBody>
+      </p:sp>
+      <p:sp>
+        <p:nvSpPr>
+          <p:cNvPr id="26" name="Rectangle 25"/>
+          <p:cNvSpPr/>
+          <p:nvPr/>
+        </p:nvSpPr>
+        <p:spPr>
+          <a:xfrm>
+            <a:off x="6922555" y="4425665"/>
+            <a:ext cx="1252848" cy="476216"/>
+          </a:xfrm>
+          <a:prstGeom prst="rect">
+            <a:avLst/>
+          </a:prstGeom>
+        </p:spPr>
+        <p:style>
+          <a:lnRef idx="2">
+            <a:schemeClr val="accent6"/>
+          </a:lnRef>
+          <a:fillRef idx="1">
+            <a:schemeClr val="lt1"/>
+          </a:fillRef>
+          <a:effectRef idx="0">
+            <a:schemeClr val="accent6"/>
+          </a:effectRef>
+          <a:fontRef idx="minor">
+            <a:schemeClr val="dk1"/>
+          </a:fontRef>
+        </p:style>
+        <p:txBody>
+          <a:bodyPr rtlCol="0" anchor="ctr"/>
+          <a:lstStyle/>
+          <a:p>
+            <a:pPr algn="ctr"/>
+            <a:r>
+              <a:rPr lang="en-US" dirty="0" smtClean="0"/>
+              <a:t>Logger</a:t>
+            </a:r>
+            <a:endParaRPr lang="en-US" dirty="0"/>
+          </a:p>
+        </p:txBody>
+      </p:sp>
+      <p:sp>
+        <p:nvSpPr>
+          <p:cNvPr id="27" name="Rectangle 26"/>
+          <p:cNvSpPr/>
+          <p:nvPr/>
+        </p:nvSpPr>
+        <p:spPr>
+          <a:xfrm>
+            <a:off x="3995682" y="4425665"/>
+            <a:ext cx="1252848" cy="476216"/>
+          </a:xfrm>
+          <a:prstGeom prst="rect">
+            <a:avLst/>
+          </a:prstGeom>
+        </p:spPr>
+        <p:style>
+          <a:lnRef idx="2">
+            <a:schemeClr val="accent6"/>
+          </a:lnRef>
+          <a:fillRef idx="1">
+            <a:schemeClr val="lt1"/>
+          </a:fillRef>
+          <a:effectRef idx="0">
+            <a:schemeClr val="accent6"/>
+          </a:effectRef>
+          <a:fontRef idx="minor">
+            <a:schemeClr val="dk1"/>
+          </a:fontRef>
+        </p:style>
+        <p:txBody>
+          <a:bodyPr rtlCol="0" anchor="ctr"/>
+          <a:lstStyle/>
+          <a:p>
+            <a:pPr algn="ctr"/>
+            <a:r>
+              <a:rPr lang="en-US" dirty="0" smtClean="0"/>
+              <a:t>Motion</a:t>
+            </a:r>
+            <a:endParaRPr lang="en-US" dirty="0"/>
+          </a:p>
+        </p:txBody>
+      </p:sp>
+      <p:pic>
+        <p:nvPicPr>
+          <p:cNvPr id="30" name="Picture 29"/>
+          <p:cNvPicPr>
+            <a:picLocks noChangeAspect="1"/>
+          </p:cNvPicPr>
+          <p:nvPr/>
+        </p:nvPicPr>
+        <p:blipFill>
+          <a:blip r:embed="rId2"/>
+          <a:stretch>
+            <a:fillRect/>
+          </a:stretch>
+        </p:blipFill>
+        <p:spPr>
+          <a:xfrm>
+            <a:off x="1219459" y="5351223"/>
+            <a:ext cx="1281680" cy="1004517"/>
+          </a:xfrm>
+          <a:prstGeom prst="rect">
+            <a:avLst/>
+          </a:prstGeom>
+        </p:spPr>
+      </p:pic>
+      <p:pic>
+        <p:nvPicPr>
+          <p:cNvPr id="31" name="Picture 30"/>
+          <p:cNvPicPr>
+            <a:picLocks noChangeAspect="1"/>
+          </p:cNvPicPr>
+          <p:nvPr/>
+        </p:nvPicPr>
+        <p:blipFill>
+          <a:blip r:embed="rId3"/>
+          <a:stretch>
+            <a:fillRect/>
+          </a:stretch>
+        </p:blipFill>
+        <p:spPr>
+          <a:xfrm>
+            <a:off x="2723222" y="5351223"/>
+            <a:ext cx="825922" cy="551866"/>
+          </a:xfrm>
+          <a:prstGeom prst="rect">
+            <a:avLst/>
+          </a:prstGeom>
+        </p:spPr>
+      </p:pic>
+      <p:pic>
+        <p:nvPicPr>
+          <p:cNvPr id="32" name="Picture 31"/>
+          <p:cNvPicPr>
+            <a:picLocks noChangeAspect="1"/>
+          </p:cNvPicPr>
+          <p:nvPr/>
+        </p:nvPicPr>
+        <p:blipFill>
+          <a:blip r:embed="rId3"/>
+          <a:stretch>
+            <a:fillRect/>
+          </a:stretch>
+        </p:blipFill>
+        <p:spPr>
+          <a:xfrm>
+            <a:off x="3572799" y="5351223"/>
+            <a:ext cx="825922" cy="551866"/>
+          </a:xfrm>
+          <a:prstGeom prst="rect">
+            <a:avLst/>
+          </a:prstGeom>
+        </p:spPr>
+      </p:pic>
+      <p:pic>
+        <p:nvPicPr>
+          <p:cNvPr id="33" name="Picture 32"/>
+          <p:cNvPicPr>
+            <a:picLocks noChangeAspect="1"/>
+          </p:cNvPicPr>
+          <p:nvPr/>
+        </p:nvPicPr>
+        <p:blipFill>
+          <a:blip r:embed="rId3"/>
+          <a:stretch>
+            <a:fillRect/>
+          </a:stretch>
+        </p:blipFill>
+        <p:spPr>
+          <a:xfrm>
+            <a:off x="4422608" y="5351223"/>
+            <a:ext cx="825922" cy="551866"/>
+          </a:xfrm>
+          <a:prstGeom prst="rect">
+            <a:avLst/>
+          </a:prstGeom>
+        </p:spPr>
+      </p:pic>
+      <p:pic>
+        <p:nvPicPr>
+          <p:cNvPr id="35" name="Picture 34"/>
+          <p:cNvPicPr>
+            <a:picLocks noChangeAspect="1"/>
+          </p:cNvPicPr>
+          <p:nvPr/>
+        </p:nvPicPr>
+        <p:blipFill>
+          <a:blip r:embed="rId4"/>
+          <a:stretch>
+            <a:fillRect/>
+          </a:stretch>
+        </p:blipFill>
+        <p:spPr>
+          <a:xfrm>
+            <a:off x="5423495" y="5371895"/>
+            <a:ext cx="1499060" cy="800030"/>
+          </a:xfrm>
+          <a:prstGeom prst="rect">
+            <a:avLst/>
+          </a:prstGeom>
+        </p:spPr>
+      </p:pic>
+      <p:pic>
+        <p:nvPicPr>
+          <p:cNvPr id="36" name="Picture 35"/>
+          <p:cNvPicPr>
+            <a:picLocks noChangeAspect="1"/>
+          </p:cNvPicPr>
+          <p:nvPr/>
+        </p:nvPicPr>
+        <p:blipFill>
+          <a:blip r:embed="rId5"/>
+          <a:stretch>
+            <a:fillRect/>
+          </a:stretch>
+        </p:blipFill>
+        <p:spPr>
+          <a:xfrm>
+            <a:off x="7141675" y="5340770"/>
+            <a:ext cx="1493698" cy="1075462"/>
+          </a:xfrm>
+          <a:prstGeom prst="rect">
+            <a:avLst/>
+          </a:prstGeom>
+        </p:spPr>
+      </p:pic>
+      <p:cxnSp>
+        <p:nvCxnSpPr>
+          <p:cNvPr id="38" name="Straight Arrow Connector 37"/>
+          <p:cNvCxnSpPr>
+            <a:stCxn id="16" idx="2"/>
+            <a:endCxn id="19" idx="1"/>
+          </p:cNvCxnSpPr>
+          <p:nvPr/>
+        </p:nvCxnSpPr>
+        <p:spPr>
+          <a:xfrm>
+            <a:off x="4759199" y="1478252"/>
+            <a:ext cx="8134" cy="684560"/>
+          </a:xfrm>
+          <a:prstGeom prst="straightConnector1">
+            <a:avLst/>
+          </a:prstGeom>
+          <a:ln>
+            <a:tailEnd type="arrow"/>
+          </a:ln>
+        </p:spPr>
+        <p:style>
+          <a:lnRef idx="3">
+            <a:schemeClr val="dk1"/>
+          </a:lnRef>
+          <a:fillRef idx="0">
+            <a:schemeClr val="dk1"/>
+          </a:fillRef>
+          <a:effectRef idx="2">
+            <a:schemeClr val="dk1"/>
+          </a:effectRef>
+          <a:fontRef idx="minor">
+            <a:schemeClr val="tx1"/>
+          </a:fontRef>
+        </p:style>
+      </p:cxnSp>
+      <p:cxnSp>
+        <p:nvCxnSpPr>
+          <p:cNvPr id="40" name="Straight Arrow Connector 39"/>
+          <p:cNvCxnSpPr>
+            <a:stCxn id="17" idx="2"/>
+            <a:endCxn id="20" idx="1"/>
+          </p:cNvCxnSpPr>
+          <p:nvPr/>
+        </p:nvCxnSpPr>
+        <p:spPr>
+          <a:xfrm>
+            <a:off x="6377315" y="1478252"/>
+            <a:ext cx="894" cy="684560"/>
+          </a:xfrm>
+          <a:prstGeom prst="straightConnector1">
+            <a:avLst/>
+          </a:prstGeom>
+          <a:ln>
+            <a:tailEnd type="arrow"/>
+          </a:ln>
+        </p:spPr>
+        <p:style>
+          <a:lnRef idx="3">
+            <a:schemeClr val="dk1"/>
+          </a:lnRef>
+          <a:fillRef idx="0">
+            <a:schemeClr val="dk1"/>
+          </a:fillRef>
+          <a:effectRef idx="2">
+            <a:schemeClr val="dk1"/>
+          </a:effectRef>
+          <a:fontRef idx="minor">
+            <a:schemeClr val="tx1"/>
+          </a:fontRef>
+        </p:style>
+      </p:cxnSp>
+      <p:cxnSp>
+        <p:nvCxnSpPr>
+          <p:cNvPr id="42" name="Straight Arrow Connector 41"/>
+          <p:cNvCxnSpPr>
+            <a:stCxn id="18" idx="2"/>
+            <a:endCxn id="21" idx="1"/>
+          </p:cNvCxnSpPr>
+          <p:nvPr/>
+        </p:nvCxnSpPr>
+        <p:spPr>
+          <a:xfrm>
+            <a:off x="7995430" y="1478252"/>
+            <a:ext cx="3" cy="684560"/>
+          </a:xfrm>
+          <a:prstGeom prst="straightConnector1">
+            <a:avLst/>
+          </a:prstGeom>
+          <a:ln>
+            <a:tailEnd type="arrow"/>
+          </a:ln>
+        </p:spPr>
+        <p:style>
+          <a:lnRef idx="3">
+            <a:schemeClr val="dk1"/>
+          </a:lnRef>
+          <a:fillRef idx="0">
+            <a:schemeClr val="dk1"/>
+          </a:fillRef>
+          <a:effectRef idx="2">
+            <a:schemeClr val="dk1"/>
+          </a:effectRef>
+          <a:fontRef idx="minor">
+            <a:schemeClr val="tx1"/>
+          </a:fontRef>
+        </p:style>
+      </p:cxnSp>
+      <p:cxnSp>
+        <p:nvCxnSpPr>
+          <p:cNvPr id="44" name="Straight Arrow Connector 43"/>
+          <p:cNvCxnSpPr>
+            <a:stCxn id="19" idx="3"/>
+          </p:cNvCxnSpPr>
+          <p:nvPr/>
+        </p:nvCxnSpPr>
+        <p:spPr>
+          <a:xfrm flipH="1">
+            <a:off x="4759199" y="3204534"/>
+            <a:ext cx="8134" cy="476215"/>
+          </a:xfrm>
+          <a:prstGeom prst="straightConnector1">
+            <a:avLst/>
+          </a:prstGeom>
+          <a:ln>
+            <a:tailEnd type="arrow"/>
+          </a:ln>
+        </p:spPr>
+        <p:style>
+          <a:lnRef idx="3">
+            <a:schemeClr val="dk1"/>
+          </a:lnRef>
+          <a:fillRef idx="0">
+            <a:schemeClr val="dk1"/>
+          </a:fillRef>
+          <a:effectRef idx="2">
+            <a:schemeClr val="dk1"/>
+          </a:effectRef>
+          <a:fontRef idx="minor">
+            <a:schemeClr val="tx1"/>
+          </a:fontRef>
+        </p:style>
+      </p:cxnSp>
+      <p:cxnSp>
+        <p:nvCxnSpPr>
+          <p:cNvPr id="46" name="Straight Arrow Connector 45"/>
+          <p:cNvCxnSpPr>
+            <a:stCxn id="20" idx="3"/>
+          </p:cNvCxnSpPr>
+          <p:nvPr/>
+        </p:nvCxnSpPr>
+        <p:spPr>
+          <a:xfrm flipH="1">
+            <a:off x="6377315" y="3204534"/>
+            <a:ext cx="894" cy="476215"/>
+          </a:xfrm>
+          <a:prstGeom prst="straightConnector1">
+            <a:avLst/>
+          </a:prstGeom>
+          <a:ln>
+            <a:tailEnd type="arrow"/>
+          </a:ln>
+        </p:spPr>
+        <p:style>
+          <a:lnRef idx="3">
+            <a:schemeClr val="dk1"/>
+          </a:lnRef>
+          <a:fillRef idx="0">
+            <a:schemeClr val="dk1"/>
+          </a:fillRef>
+          <a:effectRef idx="2">
+            <a:schemeClr val="dk1"/>
+          </a:effectRef>
+          <a:fontRef idx="minor">
+            <a:schemeClr val="tx1"/>
+          </a:fontRef>
+        </p:style>
+      </p:cxnSp>
+      <p:cxnSp>
+        <p:nvCxnSpPr>
+          <p:cNvPr id="48" name="Straight Arrow Connector 47"/>
+          <p:cNvCxnSpPr>
+            <a:stCxn id="21" idx="3"/>
+          </p:cNvCxnSpPr>
+          <p:nvPr/>
+        </p:nvCxnSpPr>
+        <p:spPr>
+          <a:xfrm>
+            <a:off x="7995433" y="3204534"/>
+            <a:ext cx="0" cy="476215"/>
+          </a:xfrm>
+          <a:prstGeom prst="straightConnector1">
+            <a:avLst/>
+          </a:prstGeom>
+          <a:ln>
+            <a:tailEnd type="arrow"/>
+          </a:ln>
+        </p:spPr>
+        <p:style>
+          <a:lnRef idx="3">
+            <a:schemeClr val="dk1"/>
+          </a:lnRef>
+          <a:fillRef idx="0">
+            <a:schemeClr val="dk1"/>
+          </a:fillRef>
+          <a:effectRef idx="2">
+            <a:schemeClr val="dk1"/>
+          </a:effectRef>
+          <a:fontRef idx="minor">
+            <a:schemeClr val="tx1"/>
+          </a:fontRef>
+        </p:style>
+      </p:cxnSp>
+      <p:cxnSp>
+        <p:nvCxnSpPr>
+          <p:cNvPr id="50" name="Elbow Connector 49"/>
+          <p:cNvCxnSpPr>
+            <a:stCxn id="15" idx="2"/>
+          </p:cNvCxnSpPr>
+          <p:nvPr/>
+        </p:nvCxnSpPr>
+        <p:spPr>
+          <a:xfrm rot="16200000" flipH="1">
+            <a:off x="2359806" y="2259528"/>
+            <a:ext cx="2202497" cy="639943"/>
+          </a:xfrm>
+          <a:prstGeom prst="bentConnector3">
+            <a:avLst/>
+          </a:prstGeom>
+          <a:ln>
+            <a:tailEnd type="arrow"/>
+          </a:ln>
+        </p:spPr>
+        <p:style>
+          <a:lnRef idx="3">
+            <a:schemeClr val="dk1"/>
+          </a:lnRef>
+          <a:fillRef idx="0">
+            <a:schemeClr val="dk1"/>
+          </a:fillRef>
+          <a:effectRef idx="2">
+            <a:schemeClr val="dk1"/>
+          </a:effectRef>
+          <a:fontRef idx="minor">
+            <a:schemeClr val="tx1"/>
+          </a:fontRef>
+        </p:style>
+      </p:cxnSp>
+      <p:cxnSp>
+        <p:nvCxnSpPr>
+          <p:cNvPr id="52" name="Elbow Connector 51"/>
+          <p:cNvCxnSpPr>
+            <a:stCxn id="23" idx="1"/>
+            <a:endCxn id="22" idx="3"/>
+          </p:cNvCxnSpPr>
+          <p:nvPr/>
+        </p:nvCxnSpPr>
+        <p:spPr>
+          <a:xfrm rot="10800000">
+            <a:off x="2020824" y="3204535"/>
+            <a:ext cx="1402131" cy="714323"/>
+          </a:xfrm>
+          <a:prstGeom prst="bentConnector2">
+            <a:avLst/>
+          </a:prstGeom>
+          <a:ln>
+            <a:tailEnd type="arrow"/>
+          </a:ln>
+        </p:spPr>
+        <p:style>
+          <a:lnRef idx="3">
+            <a:schemeClr val="dk1"/>
+          </a:lnRef>
+          <a:fillRef idx="0">
+            <a:schemeClr val="dk1"/>
+          </a:fillRef>
+          <a:effectRef idx="2">
+            <a:schemeClr val="dk1"/>
+          </a:effectRef>
+          <a:fontRef idx="minor">
+            <a:schemeClr val="tx1"/>
+          </a:fontRef>
+        </p:style>
+      </p:cxnSp>
+      <p:cxnSp>
+        <p:nvCxnSpPr>
+          <p:cNvPr id="54" name="Elbow Connector 53"/>
+          <p:cNvCxnSpPr>
+            <a:stCxn id="22" idx="2"/>
+          </p:cNvCxnSpPr>
+          <p:nvPr/>
+        </p:nvCxnSpPr>
+        <p:spPr>
+          <a:xfrm rot="10800000" flipV="1">
+            <a:off x="1071534" y="2683672"/>
+            <a:ext cx="231761" cy="1374081"/>
+          </a:xfrm>
+          <a:prstGeom prst="bentConnector2">
+            <a:avLst/>
+          </a:prstGeom>
+          <a:ln>
+            <a:tailEnd type="arrow"/>
+          </a:ln>
+        </p:spPr>
+        <p:style>
+          <a:lnRef idx="3">
+            <a:schemeClr val="dk1"/>
+          </a:lnRef>
+          <a:fillRef idx="0">
+            <a:schemeClr val="dk1"/>
+          </a:fillRef>
+          <a:effectRef idx="2">
+            <a:schemeClr val="dk1"/>
+          </a:effectRef>
+          <a:fontRef idx="minor">
+            <a:schemeClr val="tx1"/>
+          </a:fontRef>
+        </p:style>
+      </p:cxnSp>
+      <p:cxnSp>
+        <p:nvCxnSpPr>
+          <p:cNvPr id="58" name="Elbow Connector 57"/>
+          <p:cNvCxnSpPr>
+            <a:stCxn id="24" idx="2"/>
+            <a:endCxn id="59" idx="1"/>
+          </p:cNvCxnSpPr>
+          <p:nvPr/>
+        </p:nvCxnSpPr>
+        <p:spPr>
+          <a:xfrm rot="16200000" flipH="1">
+            <a:off x="2810539" y="3677987"/>
+            <a:ext cx="124427" cy="1836391"/>
+          </a:xfrm>
+          <a:prstGeom prst="bentConnector2">
+            <a:avLst/>
+          </a:prstGeom>
+          <a:ln>
+            <a:tailEnd type="arrow"/>
+          </a:ln>
+        </p:spPr>
+        <p:style>
+          <a:lnRef idx="3">
+            <a:schemeClr val="dk1"/>
+          </a:lnRef>
+          <a:fillRef idx="0">
+            <a:schemeClr val="dk1"/>
+          </a:fillRef>
+          <a:effectRef idx="2">
+            <a:schemeClr val="dk1"/>
+          </a:effectRef>
+          <a:fontRef idx="minor">
+            <a:schemeClr val="tx1"/>
+          </a:fontRef>
+        </p:style>
+      </p:cxnSp>
+      <p:cxnSp>
+        <p:nvCxnSpPr>
+          <p:cNvPr id="62" name="Elbow Connector 61"/>
+          <p:cNvCxnSpPr>
+            <a:stCxn id="14" idx="1"/>
+            <a:endCxn id="24" idx="1"/>
+          </p:cNvCxnSpPr>
+          <p:nvPr/>
+        </p:nvCxnSpPr>
+        <p:spPr>
+          <a:xfrm rot="10800000" flipV="1">
+            <a:off x="883023" y="992116"/>
+            <a:ext cx="12700" cy="3303746"/>
+          </a:xfrm>
+          <a:prstGeom prst="bentConnector3">
+            <a:avLst>
+              <a:gd name="adj1" fmla="val 1800000"/>
+            </a:avLst>
+          </a:prstGeom>
+          <a:ln>
+            <a:tailEnd type="arrow"/>
+          </a:ln>
+        </p:spPr>
+        <p:style>
+          <a:lnRef idx="3">
+            <a:schemeClr val="dk1"/>
+          </a:lnRef>
+          <a:fillRef idx="0">
+            <a:schemeClr val="dk1"/>
+          </a:fillRef>
+          <a:effectRef idx="2">
+            <a:schemeClr val="dk1"/>
+          </a:effectRef>
+          <a:fontRef idx="minor">
+            <a:schemeClr val="tx1"/>
+          </a:fontRef>
+        </p:style>
+      </p:cxnSp>
+    </p:spTree>
+    <p:extLst>
+      <p:ext uri="{BB962C8B-B14F-4D97-AF65-F5344CB8AC3E}">
+        <p14:creationId xmlns:p14="http://schemas.microsoft.com/office/powerpoint/2010/main" val="1412849518"/>
       </p:ext>
     </p:extLst>
   </p:cSld>
